--- a/Paper Presentation.pptx
+++ b/Paper Presentation.pptx
@@ -128,6 +128,11 @@
       </a:defRPr>
     </a:lvl9pPr>
   </p:defaultTextStyle>
+  <p:extLst>
+    <p:ext uri="{EFAFB233-063F-42B5-8137-9DF3F51BA10A}">
+      <p15:sldGuideLst xmlns:p15="http://schemas.microsoft.com/office/powerpoint/2012/main"/>
+    </p:ext>
+  </p:extLst>
 </p:presentation>
 </file>
 
@@ -4978,11 +4983,7 @@
           <a:p>
             <a:r>
               <a:rPr lang="en-GB" sz="3200" dirty="0" smtClean="0"/>
-              <a:t>Game A </a:t>
-            </a:r>
-            <a:r>
-              <a:rPr lang="en-GB" sz="3200" dirty="0" smtClean="0"/>
-              <a:t>prediction result</a:t>
+              <a:t>Game A prediction result</a:t>
             </a:r>
             <a:endParaRPr lang="en-GB" sz="3200" dirty="0"/>
           </a:p>
@@ -5077,11 +5078,7 @@
             <a:pPr algn="ctr"/>
             <a:r>
               <a:rPr lang="en-GB" dirty="0" smtClean="0"/>
-              <a:t>Game B prediction </a:t>
-            </a:r>
-            <a:r>
-              <a:rPr lang="en-GB" dirty="0" smtClean="0"/>
-              <a:t>result</a:t>
+              <a:t>Game B prediction result</a:t>
             </a:r>
             <a:endParaRPr lang="en-GB" dirty="0"/>
           </a:p>
@@ -5272,15 +5269,7 @@
           <a:p>
             <a:r>
               <a:rPr lang="en-GB" dirty="0" smtClean="0"/>
-              <a:t>In player </a:t>
-            </a:r>
-            <a:r>
-              <a:rPr lang="en-GB" dirty="0" smtClean="0"/>
-              <a:t>preference prediction</a:t>
-            </a:r>
-            <a:r>
-              <a:rPr lang="en-GB" dirty="0" smtClean="0"/>
-              <a:t>:</a:t>
+              <a:t>In player preference prediction:</a:t>
             </a:r>
             <a:endParaRPr lang="en-GB" dirty="0"/>
           </a:p>
@@ -5829,7 +5818,15 @@
           <a:p>
             <a:r>
               <a:rPr lang="en-GB" dirty="0" smtClean="0"/>
-              <a:t>Fitness function used was the one the minimizes the error based on a perfect value (whether it was 1 life or 6 lives remaining of the winner player at the end of the game).</a:t>
+              <a:t>Fitness function used was the one </a:t>
+            </a:r>
+            <a:r>
+              <a:rPr lang="en-GB" dirty="0" smtClean="0"/>
+              <a:t>that </a:t>
+            </a:r>
+            <a:r>
+              <a:rPr lang="en-GB" dirty="0" smtClean="0"/>
+              <a:t>minimizes the error based on a perfect value (whether it was 1 life or 6 lives remaining of the winner player at the end of the game).</a:t>
             </a:r>
             <a:endParaRPr lang="en-GB" dirty="0"/>
           </a:p>
@@ -5990,8 +5987,45 @@
                   <a:schemeClr val="accent2"/>
                 </a:solidFill>
               </a:rPr>
-              <a:t>Is missile wrap able: True</a:t>
-            </a:r>
+              <a:t>Is missile </a:t>
+            </a:r>
+            <a:r>
+              <a:rPr lang="en-GB" sz="2000" dirty="0" smtClean="0">
+                <a:solidFill>
+                  <a:schemeClr val="accent2"/>
+                </a:solidFill>
+              </a:rPr>
+              <a:t>wrap able</a:t>
+            </a:r>
+            <a:r>
+              <a:rPr lang="en-GB" sz="2000" dirty="0" smtClean="0">
+                <a:solidFill>
+                  <a:schemeClr val="accent2"/>
+                </a:solidFill>
+              </a:rPr>
+              <a:t>: </a:t>
+            </a:r>
+            <a:r>
+              <a:rPr lang="en-GB" sz="2000" dirty="0">
+                <a:solidFill>
+                  <a:schemeClr val="accent2"/>
+                </a:solidFill>
+              </a:rPr>
+              <a:t>F</a:t>
+            </a:r>
+            <a:r>
+              <a:rPr lang="en-GB" sz="2000" dirty="0" smtClean="0">
+                <a:solidFill>
+                  <a:schemeClr val="accent2"/>
+                </a:solidFill>
+              </a:rPr>
+              <a:t>alse</a:t>
+            </a:r>
+            <a:endParaRPr lang="en-GB" sz="2000" dirty="0" smtClean="0">
+              <a:solidFill>
+                <a:schemeClr val="accent2"/>
+              </a:solidFill>
+            </a:endParaRPr>
           </a:p>
           <a:p>
             <a:r>
@@ -6178,8 +6212,21 @@
                   <a:schemeClr val="accent2"/>
                 </a:solidFill>
               </a:rPr>
-              <a:t>Is missile wrap able: True</a:t>
-            </a:r>
+              <a:t>Is missile wrap able: </a:t>
+            </a:r>
+            <a:r>
+              <a:rPr lang="en-GB" sz="2000" dirty="0" smtClean="0">
+                <a:solidFill>
+                  <a:schemeClr val="accent2"/>
+                </a:solidFill>
+              </a:rPr>
+              <a:t>False</a:t>
+            </a:r>
+            <a:endParaRPr lang="en-GB" sz="2000" dirty="0" smtClean="0">
+              <a:solidFill>
+                <a:schemeClr val="accent2"/>
+              </a:solidFill>
+            </a:endParaRPr>
           </a:p>
           <a:p>
             <a:r>

--- a/Paper Presentation.pptx
+++ b/Paper Presentation.pptx
@@ -5987,7 +5987,7 @@
                   <a:schemeClr val="accent2"/>
                 </a:solidFill>
               </a:rPr>
-              <a:t>Is missile </a:t>
+              <a:t>Is missile wrap able: </a:t>
             </a:r>
             <a:r>
               <a:rPr lang="en-GB" sz="2000" dirty="0" smtClean="0">
@@ -5995,31 +5995,7 @@
                   <a:schemeClr val="accent2"/>
                 </a:solidFill>
               </a:rPr>
-              <a:t>wrap able</a:t>
-            </a:r>
-            <a:r>
-              <a:rPr lang="en-GB" sz="2000" dirty="0" smtClean="0">
-                <a:solidFill>
-                  <a:schemeClr val="accent2"/>
-                </a:solidFill>
-              </a:rPr>
-              <a:t>: </a:t>
-            </a:r>
-            <a:r>
-              <a:rPr lang="en-GB" sz="2000" dirty="0">
-                <a:solidFill>
-                  <a:schemeClr val="accent2"/>
-                </a:solidFill>
-              </a:rPr>
-              <a:t>F</a:t>
-            </a:r>
-            <a:r>
-              <a:rPr lang="en-GB" sz="2000" dirty="0" smtClean="0">
-                <a:solidFill>
-                  <a:schemeClr val="accent2"/>
-                </a:solidFill>
-              </a:rPr>
-              <a:t>alse</a:t>
+              <a:t>False</a:t>
             </a:r>
             <a:endParaRPr lang="en-GB" sz="2000" dirty="0" smtClean="0">
               <a:solidFill>

--- a/Paper Presentation.pptx
+++ b/Paper Presentation.pptx
@@ -5812,21 +5812,21 @@
           <a:p>
             <a:r>
               <a:rPr lang="en-GB" dirty="0" smtClean="0"/>
-              <a:t>We use Rolling Horizon Evolution Algorithm to evolve game parameters to generate two games. The algorithm did 120 evaluations. The AI controllers used were RHCA and FUNT (variation of RHCA with circular buffer that resets randomly the worst individuals in the population and keeps the best ones; it uses the triple parent crossover).</a:t>
-            </a:r>
-          </a:p>
-          <a:p>
+              <a:t>We use </a:t>
+            </a:r>
             <a:r>
               <a:rPr lang="en-GB" dirty="0" smtClean="0"/>
-              <a:t>Fitness function used was the one </a:t>
+              <a:t>Random Mutation Hill Climber </a:t>
             </a:r>
             <a:r>
               <a:rPr lang="en-GB" dirty="0" smtClean="0"/>
-              <a:t>that </a:t>
-            </a:r>
+              <a:t>to evolve game parameters to generate two games. The algorithm did 120 evaluations. The AI controllers used were RHCA and FUNT (variation of RHCA with circular buffer that resets randomly the worst individuals in the population and keeps the best ones; it uses the triple parent crossover).</a:t>
+            </a:r>
+          </a:p>
+          <a:p>
             <a:r>
               <a:rPr lang="en-GB" dirty="0" smtClean="0"/>
-              <a:t>minimizes the error based on a perfect value (whether it was 1 life or 6 lives remaining of the winner player at the end of the game).</a:t>
+              <a:t>Fitness function used was the one that minimizes the error based on a perfect value (whether it was 1 life or 6 lives remaining of the winner player at the end of the game).</a:t>
             </a:r>
             <a:endParaRPr lang="en-GB" dirty="0"/>
           </a:p>
@@ -5987,21 +5987,8 @@
                   <a:schemeClr val="accent2"/>
                 </a:solidFill>
               </a:rPr>
-              <a:t>Is missile wrap able: </a:t>
-            </a:r>
-            <a:r>
-              <a:rPr lang="en-GB" sz="2000" dirty="0" smtClean="0">
-                <a:solidFill>
-                  <a:schemeClr val="accent2"/>
-                </a:solidFill>
-              </a:rPr>
-              <a:t>False</a:t>
-            </a:r>
-            <a:endParaRPr lang="en-GB" sz="2000" dirty="0" smtClean="0">
-              <a:solidFill>
-                <a:schemeClr val="accent2"/>
-              </a:solidFill>
-            </a:endParaRPr>
+              <a:t>Is missile wrap able: False</a:t>
+            </a:r>
           </a:p>
           <a:p>
             <a:r>
@@ -6188,21 +6175,8 @@
                   <a:schemeClr val="accent2"/>
                 </a:solidFill>
               </a:rPr>
-              <a:t>Is missile wrap able: </a:t>
-            </a:r>
-            <a:r>
-              <a:rPr lang="en-GB" sz="2000" dirty="0" smtClean="0">
-                <a:solidFill>
-                  <a:schemeClr val="accent2"/>
-                </a:solidFill>
-              </a:rPr>
-              <a:t>False</a:t>
-            </a:r>
-            <a:endParaRPr lang="en-GB" sz="2000" dirty="0" smtClean="0">
-              <a:solidFill>
-                <a:schemeClr val="accent2"/>
-              </a:solidFill>
-            </a:endParaRPr>
+              <a:t>Is missile wrap able: False</a:t>
+            </a:r>
           </a:p>
           <a:p>
             <a:r>
